--- a/Certification.pptx
+++ b/Certification.pptx
@@ -104,11 +104,6 @@
       </a:defRPr>
     </a:lvl9pPr>
   </p:defaultTextStyle>
-  <p:extLst>
-    <p:ext uri="{EFAFB233-063F-42B5-8137-9DF3F51BA10A}">
-      <p15:sldGuideLst xmlns:p15="http://schemas.microsoft.com/office/powerpoint/2012/main"/>
-    </p:ext>
-  </p:extLst>
 </p:presentation>
 </file>
 
@@ -243,7 +238,7 @@
           <a:p>
             <a:fld id="{42AA145B-1EB1-4E00-A07F-2FFC35C279DE}" type="datetimeFigureOut">
               <a:rPr lang="en-CA" smtClean="0"/>
-              <a:t>2024-03-30</a:t>
+              <a:t>2022-06-08</a:t>
             </a:fld>
             <a:endParaRPr lang="en-CA"/>
           </a:p>
@@ -285,7 +280,7 @@
           <a:p>
             <a:fld id="{499FAABB-553B-4B92-9FC8-276785CDD6A8}" type="slidenum">
               <a:rPr lang="en-CA" smtClean="0"/>
-              <a:t>‹#›</a:t>
+              <a:t>‹N°›</a:t>
             </a:fld>
             <a:endParaRPr lang="en-CA"/>
           </a:p>
@@ -413,7 +408,7 @@
           <a:p>
             <a:fld id="{42AA145B-1EB1-4E00-A07F-2FFC35C279DE}" type="datetimeFigureOut">
               <a:rPr lang="en-CA" smtClean="0"/>
-              <a:t>2024-03-30</a:t>
+              <a:t>2022-06-08</a:t>
             </a:fld>
             <a:endParaRPr lang="en-CA"/>
           </a:p>
@@ -455,7 +450,7 @@
           <a:p>
             <a:fld id="{499FAABB-553B-4B92-9FC8-276785CDD6A8}" type="slidenum">
               <a:rPr lang="en-CA" smtClean="0"/>
-              <a:t>‹#›</a:t>
+              <a:t>‹N°›</a:t>
             </a:fld>
             <a:endParaRPr lang="en-CA"/>
           </a:p>
@@ -593,7 +588,7 @@
           <a:p>
             <a:fld id="{42AA145B-1EB1-4E00-A07F-2FFC35C279DE}" type="datetimeFigureOut">
               <a:rPr lang="en-CA" smtClean="0"/>
-              <a:t>2024-03-30</a:t>
+              <a:t>2022-06-08</a:t>
             </a:fld>
             <a:endParaRPr lang="en-CA"/>
           </a:p>
@@ -635,7 +630,7 @@
           <a:p>
             <a:fld id="{499FAABB-553B-4B92-9FC8-276785CDD6A8}" type="slidenum">
               <a:rPr lang="en-CA" smtClean="0"/>
-              <a:t>‹#›</a:t>
+              <a:t>‹N°›</a:t>
             </a:fld>
             <a:endParaRPr lang="en-CA"/>
           </a:p>
@@ -763,7 +758,7 @@
           <a:p>
             <a:fld id="{42AA145B-1EB1-4E00-A07F-2FFC35C279DE}" type="datetimeFigureOut">
               <a:rPr lang="en-CA" smtClean="0"/>
-              <a:t>2024-03-30</a:t>
+              <a:t>2022-06-08</a:t>
             </a:fld>
             <a:endParaRPr lang="en-CA"/>
           </a:p>
@@ -805,7 +800,7 @@
           <a:p>
             <a:fld id="{499FAABB-553B-4B92-9FC8-276785CDD6A8}" type="slidenum">
               <a:rPr lang="en-CA" smtClean="0"/>
-              <a:t>‹#›</a:t>
+              <a:t>‹N°›</a:t>
             </a:fld>
             <a:endParaRPr lang="en-CA"/>
           </a:p>
@@ -1009,7 +1004,7 @@
           <a:p>
             <a:fld id="{42AA145B-1EB1-4E00-A07F-2FFC35C279DE}" type="datetimeFigureOut">
               <a:rPr lang="en-CA" smtClean="0"/>
-              <a:t>2024-03-30</a:t>
+              <a:t>2022-06-08</a:t>
             </a:fld>
             <a:endParaRPr lang="en-CA"/>
           </a:p>
@@ -1051,7 +1046,7 @@
           <a:p>
             <a:fld id="{499FAABB-553B-4B92-9FC8-276785CDD6A8}" type="slidenum">
               <a:rPr lang="en-CA" smtClean="0"/>
-              <a:t>‹#›</a:t>
+              <a:t>‹N°›</a:t>
             </a:fld>
             <a:endParaRPr lang="en-CA"/>
           </a:p>
@@ -1241,7 +1236,7 @@
           <a:p>
             <a:fld id="{42AA145B-1EB1-4E00-A07F-2FFC35C279DE}" type="datetimeFigureOut">
               <a:rPr lang="en-CA" smtClean="0"/>
-              <a:t>2024-03-30</a:t>
+              <a:t>2022-06-08</a:t>
             </a:fld>
             <a:endParaRPr lang="en-CA"/>
           </a:p>
@@ -1283,7 +1278,7 @@
           <a:p>
             <a:fld id="{499FAABB-553B-4B92-9FC8-276785CDD6A8}" type="slidenum">
               <a:rPr lang="en-CA" smtClean="0"/>
-              <a:t>‹#›</a:t>
+              <a:t>‹N°›</a:t>
             </a:fld>
             <a:endParaRPr lang="en-CA"/>
           </a:p>
@@ -1608,7 +1603,7 @@
           <a:p>
             <a:fld id="{42AA145B-1EB1-4E00-A07F-2FFC35C279DE}" type="datetimeFigureOut">
               <a:rPr lang="en-CA" smtClean="0"/>
-              <a:t>2024-03-30</a:t>
+              <a:t>2022-06-08</a:t>
             </a:fld>
             <a:endParaRPr lang="en-CA"/>
           </a:p>
@@ -1650,7 +1645,7 @@
           <a:p>
             <a:fld id="{499FAABB-553B-4B92-9FC8-276785CDD6A8}" type="slidenum">
               <a:rPr lang="en-CA" smtClean="0"/>
-              <a:t>‹#›</a:t>
+              <a:t>‹N°›</a:t>
             </a:fld>
             <a:endParaRPr lang="en-CA"/>
           </a:p>
@@ -1726,7 +1721,7 @@
           <a:p>
             <a:fld id="{42AA145B-1EB1-4E00-A07F-2FFC35C279DE}" type="datetimeFigureOut">
               <a:rPr lang="en-CA" smtClean="0"/>
-              <a:t>2024-03-30</a:t>
+              <a:t>2022-06-08</a:t>
             </a:fld>
             <a:endParaRPr lang="en-CA"/>
           </a:p>
@@ -1768,7 +1763,7 @@
           <a:p>
             <a:fld id="{499FAABB-553B-4B92-9FC8-276785CDD6A8}" type="slidenum">
               <a:rPr lang="en-CA" smtClean="0"/>
-              <a:t>‹#›</a:t>
+              <a:t>‹N°›</a:t>
             </a:fld>
             <a:endParaRPr lang="en-CA"/>
           </a:p>
@@ -1821,7 +1816,7 @@
           <a:p>
             <a:fld id="{42AA145B-1EB1-4E00-A07F-2FFC35C279DE}" type="datetimeFigureOut">
               <a:rPr lang="en-CA" smtClean="0"/>
-              <a:t>2024-03-30</a:t>
+              <a:t>2022-06-08</a:t>
             </a:fld>
             <a:endParaRPr lang="en-CA"/>
           </a:p>
@@ -1863,7 +1858,7 @@
           <a:p>
             <a:fld id="{499FAABB-553B-4B92-9FC8-276785CDD6A8}" type="slidenum">
               <a:rPr lang="en-CA" smtClean="0"/>
-              <a:t>‹#›</a:t>
+              <a:t>‹N°›</a:t>
             </a:fld>
             <a:endParaRPr lang="en-CA"/>
           </a:p>
@@ -2098,7 +2093,7 @@
           <a:p>
             <a:fld id="{42AA145B-1EB1-4E00-A07F-2FFC35C279DE}" type="datetimeFigureOut">
               <a:rPr lang="en-CA" smtClean="0"/>
-              <a:t>2024-03-30</a:t>
+              <a:t>2022-06-08</a:t>
             </a:fld>
             <a:endParaRPr lang="en-CA"/>
           </a:p>
@@ -2140,7 +2135,7 @@
           <a:p>
             <a:fld id="{499FAABB-553B-4B92-9FC8-276785CDD6A8}" type="slidenum">
               <a:rPr lang="en-CA" smtClean="0"/>
-              <a:t>‹#›</a:t>
+              <a:t>‹N°›</a:t>
             </a:fld>
             <a:endParaRPr lang="en-CA"/>
           </a:p>
@@ -2351,7 +2346,7 @@
           <a:p>
             <a:fld id="{42AA145B-1EB1-4E00-A07F-2FFC35C279DE}" type="datetimeFigureOut">
               <a:rPr lang="en-CA" smtClean="0"/>
-              <a:t>2024-03-30</a:t>
+              <a:t>2022-06-08</a:t>
             </a:fld>
             <a:endParaRPr lang="en-CA"/>
           </a:p>
@@ -2393,7 +2388,7 @@
           <a:p>
             <a:fld id="{499FAABB-553B-4B92-9FC8-276785CDD6A8}" type="slidenum">
               <a:rPr lang="en-CA" smtClean="0"/>
-              <a:t>‹#›</a:t>
+              <a:t>‹N°›</a:t>
             </a:fld>
             <a:endParaRPr lang="en-CA"/>
           </a:p>
@@ -2564,7 +2559,7 @@
           <a:p>
             <a:fld id="{42AA145B-1EB1-4E00-A07F-2FFC35C279DE}" type="datetimeFigureOut">
               <a:rPr lang="en-CA" smtClean="0"/>
-              <a:t>2024-03-30</a:t>
+              <a:t>2022-06-08</a:t>
             </a:fld>
             <a:endParaRPr lang="en-CA"/>
           </a:p>
@@ -2642,7 +2637,7 @@
           <a:p>
             <a:fld id="{499FAABB-553B-4B92-9FC8-276785CDD6A8}" type="slidenum">
               <a:rPr lang="en-CA" smtClean="0"/>
-              <a:t>‹#›</a:t>
+              <a:t>‹N°›</a:t>
             </a:fld>
             <a:endParaRPr lang="en-CA"/>
           </a:p>
@@ -3007,8 +3002,8 @@
         </p:nvSpPr>
         <p:spPr>
           <a:xfrm>
-            <a:off x="4010693" y="3098407"/>
-            <a:ext cx="4117602" cy="1508105"/>
+            <a:off x="4010693" y="2930532"/>
+            <a:ext cx="4117602" cy="2800767"/>
           </a:xfrm>
           <a:prstGeom prst="rect">
             <a:avLst/>
@@ -3022,19 +3017,6 @@
           <a:lstStyle/>
           <a:p>
             <a:pPr algn="ctr"/>
-            <a:r>
-              <a:rPr lang="fr-FR" sz="2400" dirty="0" err="1" smtClean="0">
-                <a:ln w="0"/>
-                <a:effectLst>
-                  <a:outerShdw blurRad="38100" dist="19050" dir="2700000" algn="tl" rotWithShape="0">
-                    <a:schemeClr val="dk1">
-                      <a:alpha val="40000"/>
-                    </a:schemeClr>
-                  </a:outerShdw>
-                </a:effectLst>
-              </a:rPr>
-              <a:t>Jinit</a:t>
-            </a:r>
             <a:r>
               <a:rPr lang="fr-FR" sz="2400" dirty="0" smtClean="0">
                 <a:ln w="0"/>
@@ -3046,57 +3028,8 @@
                   </a:outerShdw>
                 </a:effectLst>
               </a:rPr>
-              <a:t> </a:t>
-            </a:r>
-            <a:r>
-              <a:rPr lang="fr-FR" sz="2400" dirty="0" err="1" smtClean="0">
-                <a:ln w="0"/>
-                <a:effectLst>
-                  <a:outerShdw blurRad="38100" dist="19050" dir="2700000" algn="tl" rotWithShape="0">
-                    <a:schemeClr val="dk1">
-                      <a:alpha val="40000"/>
-                    </a:schemeClr>
-                  </a:outerShdw>
-                </a:effectLst>
-              </a:rPr>
-              <a:t>Kejalbhai</a:t>
-            </a:r>
-            <a:r>
-              <a:rPr lang="fr-FR" sz="2400" dirty="0" smtClean="0">
-                <a:ln w="0"/>
-                <a:effectLst>
-                  <a:outerShdw blurRad="38100" dist="19050" dir="2700000" algn="tl" rotWithShape="0">
-                    <a:schemeClr val="dk1">
-                      <a:alpha val="40000"/>
-                    </a:schemeClr>
-                  </a:outerShdw>
-                </a:effectLst>
-              </a:rPr>
-              <a:t> </a:t>
-            </a:r>
-            <a:r>
-              <a:rPr lang="fr-FR" sz="2400" dirty="0" err="1" smtClean="0">
-                <a:ln w="0"/>
-                <a:effectLst>
-                  <a:outerShdw blurRad="38100" dist="19050" dir="2700000" algn="tl" rotWithShape="0">
-                    <a:schemeClr val="dk1">
-                      <a:alpha val="40000"/>
-                    </a:schemeClr>
-                  </a:outerShdw>
-                </a:effectLst>
-              </a:rPr>
-              <a:t>Jasani</a:t>
-            </a:r>
-            <a:endParaRPr lang="fr-FR" sz="2400" dirty="0" smtClean="0">
-              <a:ln w="0"/>
-              <a:effectLst>
-                <a:outerShdw blurRad="38100" dist="19050" dir="2700000" algn="tl" rotWithShape="0">
-                  <a:schemeClr val="dk1">
-                    <a:alpha val="40000"/>
-                  </a:schemeClr>
-                </a:outerShdw>
-              </a:effectLst>
-            </a:endParaRPr>
+              <a:t>Baghdade Hamdoud</a:t>
+            </a:r>
           </a:p>
           <a:p>
             <a:pPr algn="ctr"/>
@@ -3113,6 +3046,32 @@
               </a:rPr>
               <a:t>Digital Marketing</a:t>
             </a:r>
+          </a:p>
+          <a:p>
+            <a:pPr algn="ctr"/>
+            <a:endParaRPr lang="fr-FR" sz="4400" dirty="0" smtClean="0">
+              <a:ln w="0"/>
+              <a:effectLst>
+                <a:outerShdw blurRad="38100" dist="19050" dir="2700000" algn="tl" rotWithShape="0">
+                  <a:schemeClr val="dk1">
+                    <a:alpha val="40000"/>
+                  </a:schemeClr>
+                </a:outerShdw>
+              </a:effectLst>
+            </a:endParaRPr>
+          </a:p>
+          <a:p>
+            <a:pPr algn="ctr"/>
+            <a:endParaRPr lang="fr-FR" sz="4000" dirty="0" smtClean="0">
+              <a:ln w="0"/>
+              <a:effectLst>
+                <a:outerShdw blurRad="38100" dist="19050" dir="2700000" algn="tl" rotWithShape="0">
+                  <a:schemeClr val="dk1">
+                    <a:alpha val="40000"/>
+                  </a:schemeClr>
+                </a:outerShdw>
+              </a:effectLst>
+            </a:endParaRPr>
           </a:p>
           <a:p>
             <a:pPr algn="ctr"/>
@@ -3154,7 +3113,7 @@
         </p:blipFill>
         <p:spPr>
           <a:xfrm>
-            <a:off x="2517340" y="1318703"/>
+            <a:off x="9235564" y="5161277"/>
             <a:ext cx="1493353" cy="1493353"/>
           </a:xfrm>
           <a:prstGeom prst="rect">
@@ -3162,6 +3121,36 @@
           </a:prstGeom>
         </p:spPr>
       </p:pic>
+      <p:pic>
+        <p:nvPicPr>
+          <p:cNvPr id="7" name="Image 6"/>
+          <p:cNvPicPr>
+            <a:picLocks noChangeAspect="1"/>
+          </p:cNvPicPr>
+          <p:nvPr/>
+        </p:nvPicPr>
+        <p:blipFill>
+          <a:blip r:embed="rId3" cstate="print">
+            <a:extLst>
+              <a:ext uri="{28A0092B-C50C-407E-A947-70E740481C1C}">
+                <a14:useLocalDpi xmlns:a14="http://schemas.microsoft.com/office/drawing/2010/main" val="0"/>
+              </a:ext>
+            </a:extLst>
+          </a:blip>
+          <a:stretch>
+            <a:fillRect/>
+          </a:stretch>
+        </p:blipFill>
+        <p:spPr>
+          <a:xfrm>
+            <a:off x="1275181" y="224842"/>
+            <a:ext cx="1493353" cy="1493353"/>
+          </a:xfrm>
+          <a:prstGeom prst="rect">
+            <a:avLst/>
+          </a:prstGeom>
+        </p:spPr>
+      </p:pic>
       <p:sp>
         <p:nvSpPr>
           <p:cNvPr id="8" name="ZoneTexte 7"/>
@@ -3170,7 +3159,7 @@
         </p:nvSpPr>
         <p:spPr>
           <a:xfrm>
-            <a:off x="5629886" y="6488668"/>
+            <a:off x="4649140" y="6202317"/>
             <a:ext cx="5333100" cy="369332"/>
           </a:xfrm>
           <a:prstGeom prst="rect">
@@ -3200,7 +3189,7 @@
         </p:nvSpPr>
         <p:spPr>
           <a:xfrm>
-            <a:off x="1219424" y="20197"/>
+            <a:off x="2388745" y="335133"/>
             <a:ext cx="4520789" cy="307777"/>
           </a:xfrm>
           <a:prstGeom prst="rect">
@@ -3235,7 +3224,7 @@
         </p:nvSpPr>
         <p:spPr>
           <a:xfrm>
-            <a:off x="1219424" y="6488668"/>
+            <a:off x="1683026" y="6202317"/>
             <a:ext cx="4240696" cy="369332"/>
           </a:xfrm>
           <a:prstGeom prst="rect">
@@ -3250,24 +3239,8 @@
           <a:lstStyle/>
           <a:p>
             <a:r>
-              <a:rPr lang="fr-CA" dirty="0" err="1" smtClean="0"/>
-              <a:t>Certificate</a:t>
-            </a:r>
-            <a:r>
               <a:rPr lang="fr-CA" dirty="0" smtClean="0"/>
-              <a:t> </a:t>
-            </a:r>
-            <a:r>
-              <a:rPr lang="fr-CA" dirty="0" smtClean="0"/>
-              <a:t>delevered by </a:t>
-            </a:r>
-            <a:r>
-              <a:rPr lang="fr-CA" dirty="0" err="1" smtClean="0"/>
-              <a:t>Syndicate</a:t>
-            </a:r>
-            <a:r>
-              <a:rPr lang="fr-CA" dirty="0" smtClean="0"/>
-              <a:t> </a:t>
+              <a:t>Certificat delevered by bclc.dz</a:t>
             </a:r>
             <a:endParaRPr lang="en-CA" dirty="0"/>
           </a:p>
@@ -3281,7 +3254,7 @@
         </p:nvSpPr>
         <p:spPr>
           <a:xfrm>
-            <a:off x="7353252" y="20197"/>
+            <a:off x="7627572" y="304356"/>
             <a:ext cx="4240696" cy="369332"/>
           </a:xfrm>
           <a:prstGeom prst="rect">
@@ -3296,20 +3269,8 @@
           <a:lstStyle/>
           <a:p>
             <a:r>
-              <a:rPr lang="fr-CA" dirty="0" err="1" smtClean="0"/>
-              <a:t>Certificate</a:t>
-            </a:r>
-            <a:r>
               <a:rPr lang="fr-CA" dirty="0" smtClean="0"/>
-              <a:t> </a:t>
-            </a:r>
-            <a:r>
-              <a:rPr lang="fr-CA" dirty="0" smtClean="0"/>
-              <a:t>delevered by </a:t>
-            </a:r>
-            <a:r>
-              <a:rPr lang="fr-CA" dirty="0" err="1" smtClean="0"/>
-              <a:t>Syndicate</a:t>
+              <a:t>Certificat delevered by bclc.dz</a:t>
             </a:r>
             <a:endParaRPr lang="en-CA" dirty="0"/>
           </a:p>
@@ -3323,7 +3284,7 @@
         </p:nvSpPr>
         <p:spPr>
           <a:xfrm>
-            <a:off x="3879996" y="4924654"/>
+            <a:off x="3763618" y="5127032"/>
             <a:ext cx="4542654" cy="369332"/>
           </a:xfrm>
           <a:prstGeom prst="rect">
@@ -3353,7 +3314,7 @@
         </p:nvSpPr>
         <p:spPr>
           <a:xfrm>
-            <a:off x="4831193" y="5242796"/>
+            <a:off x="3763618" y="5429166"/>
             <a:ext cx="4542654" cy="369332"/>
           </a:xfrm>
           <a:prstGeom prst="rect">
@@ -3369,11 +3330,7 @@
           <a:p>
             <a:r>
               <a:rPr lang="fr-CA" dirty="0" smtClean="0"/>
-              <a:t>By </a:t>
-            </a:r>
-            <a:r>
-              <a:rPr lang="fr-CA" dirty="0" smtClean="0"/>
-              <a:t> Syndicate@DJSCE.org</a:t>
+              <a:t>By walid.kheroub@univ-annaba.org</a:t>
             </a:r>
             <a:endParaRPr lang="en-CA" dirty="0"/>
           </a:p>
